--- a/Retail_marketing_audience_Prediction/Presentation_Final-03.pptx
+++ b/Retail_marketing_audience_Prediction/Presentation_Final-03.pptx
@@ -6,7 +6,7 @@
     <p:sldMasterId id="2147483660" r:id="rId2"/>
   </p:sldMasterIdLst>
   <p:notesMasterIdLst>
-    <p:notesMasterId r:id="rId23"/>
+    <p:notesMasterId r:id="rId22"/>
   </p:notesMasterIdLst>
   <p:sldIdLst>
     <p:sldId id="294" r:id="rId3"/>
@@ -28,7 +28,6 @@
     <p:sldId id="282" r:id="rId19"/>
     <p:sldId id="267" r:id="rId20"/>
     <p:sldId id="289" r:id="rId21"/>
-    <p:sldId id="265" r:id="rId22"/>
   </p:sldIdLst>
   <p:sldSz cx="12192000" cy="6858000"/>
   <p:notesSz cx="6858000" cy="9144000"/>
@@ -18569,372 +18568,6 @@
 </p:sld>
 </file>
 
-<file path=ppt/slides/slide20.xml><?xml version="1.0" encoding="utf-8"?>
-<p:sld xmlns:a="http://schemas.openxmlformats.org/drawingml/2006/main" xmlns:r="http://schemas.openxmlformats.org/officeDocument/2006/relationships" xmlns:p="http://schemas.openxmlformats.org/presentationml/2006/main">
-  <p:cSld>
-    <p:spTree>
-      <p:nvGrpSpPr>
-        <p:cNvPr id="1" name=""/>
-        <p:cNvGrpSpPr/>
-        <p:nvPr/>
-      </p:nvGrpSpPr>
-      <p:grpSpPr>
-        <a:xfrm>
-          <a:off x="0" y="0"/>
-          <a:ext cx="0" cy="0"/>
-          <a:chOff x="0" y="0"/>
-          <a:chExt cx="0" cy="0"/>
-        </a:xfrm>
-      </p:grpSpPr>
-      <p:sp>
-        <p:nvSpPr>
-          <p:cNvPr id="8" name="TextBox 7">
-            <a:extLst>
-              <a:ext uri="{FF2B5EF4-FFF2-40B4-BE49-F238E27FC236}">
-                <a16:creationId xmlns:a16="http://schemas.microsoft.com/office/drawing/2014/main" id="{6CC2143A-F9E9-8E46-AAEF-0B77BC931EAB}"/>
-              </a:ext>
-            </a:extLst>
-          </p:cNvPr>
-          <p:cNvSpPr txBox="1"/>
-          <p:nvPr/>
-        </p:nvSpPr>
-        <p:spPr>
-          <a:xfrm>
-            <a:off x="1" y="0"/>
-            <a:ext cx="3622010" cy="6858000"/>
-          </a:xfrm>
-          <a:prstGeom prst="rect">
-            <a:avLst/>
-          </a:prstGeom>
-          <a:gradFill>
-            <a:gsLst>
-              <a:gs pos="0">
-                <a:schemeClr val="accent1">
-                  <a:lumMod val="75000"/>
-                </a:schemeClr>
-              </a:gs>
-              <a:gs pos="100000">
-                <a:schemeClr val="accent1">
-                  <a:lumMod val="62000"/>
-                </a:schemeClr>
-              </a:gs>
-            </a:gsLst>
-            <a:lin ang="5400000" scaled="1"/>
-          </a:gradFill>
-        </p:spPr>
-        <p:txBody>
-          <a:bodyPr wrap="square" rtlCol="0">
-            <a:spAutoFit/>
-          </a:bodyPr>
-          <a:lstStyle/>
-          <a:p>
-            <a:endParaRPr lang="en-US" dirty="0"/>
-          </a:p>
-        </p:txBody>
-      </p:sp>
-      <p:sp>
-        <p:nvSpPr>
-          <p:cNvPr id="4" name="Slide Number Placeholder 3">
-            <a:extLst>
-              <a:ext uri="{FF2B5EF4-FFF2-40B4-BE49-F238E27FC236}">
-                <a16:creationId xmlns:a16="http://schemas.microsoft.com/office/drawing/2014/main" id="{847D9826-A6A4-E54B-A080-41559489F001}"/>
-              </a:ext>
-            </a:extLst>
-          </p:cNvPr>
-          <p:cNvSpPr>
-            <a:spLocks noGrp="1"/>
-          </p:cNvSpPr>
-          <p:nvPr>
-            <p:ph type="sldNum" sz="quarter" idx="4294967295"/>
-          </p:nvPr>
-        </p:nvSpPr>
-        <p:spPr>
-          <a:xfrm>
-            <a:off x="8610600" y="6356350"/>
-            <a:ext cx="2743200" cy="365125"/>
-          </a:xfrm>
-        </p:spPr>
-        <p:txBody>
-          <a:bodyPr/>
-          <a:lstStyle/>
-          <a:p>
-            <a:fld id="{C7B21E6D-B68F-FC4C-926A-5DD36F90B557}" type="slidenum">
-              <a:rPr lang="en-US" smtClean="0"/>
-              <a:t>20</a:t>
-            </a:fld>
-            <a:endParaRPr lang="en-US"/>
-          </a:p>
-        </p:txBody>
-      </p:sp>
-      <p:sp>
-        <p:nvSpPr>
-          <p:cNvPr id="10" name="Title 1">
-            <a:extLst>
-              <a:ext uri="{FF2B5EF4-FFF2-40B4-BE49-F238E27FC236}">
-                <a16:creationId xmlns:a16="http://schemas.microsoft.com/office/drawing/2014/main" id="{8412870A-7881-6B4C-B172-96080B5EA6D8}"/>
-              </a:ext>
-            </a:extLst>
-          </p:cNvPr>
-          <p:cNvSpPr txBox="1">
-            <a:spLocks/>
-          </p:cNvSpPr>
-          <p:nvPr/>
-        </p:nvSpPr>
-        <p:spPr>
-          <a:xfrm>
-            <a:off x="184292" y="304200"/>
-            <a:ext cx="3894133" cy="2749194"/>
-          </a:xfrm>
-          <a:prstGeom prst="rect">
-            <a:avLst/>
-          </a:prstGeom>
-        </p:spPr>
-        <p:txBody>
-          <a:bodyPr vert="horz" lIns="91440" tIns="45720" rIns="91440" bIns="45720" rtlCol="0" anchor="ctr">
-            <a:normAutofit fontScale="97500"/>
-          </a:bodyPr>
-          <a:lstStyle>
-            <a:lvl1pPr algn="l" defTabSz="914400" rtl="0" eaLnBrk="1" latinLnBrk="0" hangingPunct="1">
-              <a:lnSpc>
-                <a:spcPct val="90000"/>
-              </a:lnSpc>
-              <a:spcBef>
-                <a:spcPct val="0"/>
-              </a:spcBef>
-              <a:buNone/>
-              <a:defRPr sz="4400" kern="1200">
-                <a:solidFill>
-                  <a:schemeClr val="tx1"/>
-                </a:solidFill>
-                <a:latin typeface="+mj-lt"/>
-                <a:ea typeface="+mj-ea"/>
-                <a:cs typeface="+mj-cs"/>
-              </a:defRPr>
-            </a:lvl1pPr>
-          </a:lstStyle>
-          <a:p>
-            <a:r>
-              <a:rPr lang="en-US" sz="4500" dirty="0">
-                <a:solidFill>
-                  <a:schemeClr val="bg1"/>
-                </a:solidFill>
-              </a:rPr>
-              <a:t>NEXT STEPS</a:t>
-            </a:r>
-          </a:p>
-          <a:p>
-            <a:endParaRPr lang="en-US" sz="2400" dirty="0">
-              <a:solidFill>
-                <a:schemeClr val="bg1"/>
-              </a:solidFill>
-            </a:endParaRPr>
-          </a:p>
-          <a:p>
-            <a:br>
-              <a:rPr lang="en-US" sz="2400" dirty="0">
-                <a:solidFill>
-                  <a:schemeClr val="bg1"/>
-                </a:solidFill>
-              </a:rPr>
-            </a:br>
-            <a:endParaRPr lang="en-US" sz="2400" dirty="0">
-              <a:solidFill>
-                <a:schemeClr val="bg1"/>
-              </a:solidFill>
-            </a:endParaRPr>
-          </a:p>
-        </p:txBody>
-      </p:sp>
-      <p:sp>
-        <p:nvSpPr>
-          <p:cNvPr id="18" name="Rectangle 17">
-            <a:extLst>
-              <a:ext uri="{FF2B5EF4-FFF2-40B4-BE49-F238E27FC236}">
-                <a16:creationId xmlns:a16="http://schemas.microsoft.com/office/drawing/2014/main" id="{F8592DC5-CCC7-8F4D-9DF6-DB3F8A00CC2C}"/>
-              </a:ext>
-            </a:extLst>
-          </p:cNvPr>
-          <p:cNvSpPr/>
-          <p:nvPr/>
-        </p:nvSpPr>
-        <p:spPr>
-          <a:xfrm>
-            <a:off x="4916750" y="2024674"/>
-            <a:ext cx="6437050" cy="1721180"/>
-          </a:xfrm>
-          <a:prstGeom prst="rect">
-            <a:avLst/>
-          </a:prstGeom>
-        </p:spPr>
-        <p:txBody>
-          <a:bodyPr wrap="square" anchor="t">
-            <a:noAutofit/>
-          </a:bodyPr>
-          <a:lstStyle/>
-          <a:p>
-            <a:pPr marL="285750" indent="-285750" fontAlgn="base">
-              <a:lnSpc>
-                <a:spcPct val="140000"/>
-              </a:lnSpc>
-              <a:spcAft>
-                <a:spcPts val="600"/>
-              </a:spcAft>
-              <a:buFont typeface="Arial" panose="020B0604020202020204" pitchFamily="34" charset="0"/>
-              <a:buChar char="•"/>
-            </a:pPr>
-            <a:r>
-              <a:rPr lang="en-US" sz="2000" dirty="0">
-                <a:latin typeface="Arial" panose="020B0604020202020204" pitchFamily="34" charset="0"/>
-                <a:cs typeface="Arial" panose="020B0604020202020204" pitchFamily="34" charset="0"/>
-              </a:rPr>
-              <a:t>Execute the model every time planning a new marketing campaign.</a:t>
-            </a:r>
-          </a:p>
-          <a:p>
-            <a:pPr marL="285750" indent="-285750" fontAlgn="base">
-              <a:lnSpc>
-                <a:spcPct val="140000"/>
-              </a:lnSpc>
-              <a:spcAft>
-                <a:spcPts val="600"/>
-              </a:spcAft>
-              <a:buFont typeface="Arial" panose="020B0604020202020204" pitchFamily="34" charset="0"/>
-              <a:buChar char="•"/>
-            </a:pPr>
-            <a:r>
-              <a:rPr lang="en-US" sz="2000" dirty="0">
-                <a:latin typeface="Arial" panose="020B0604020202020204" pitchFamily="34" charset="0"/>
-                <a:cs typeface="Arial" panose="020B0604020202020204" pitchFamily="34" charset="0"/>
-              </a:rPr>
-              <a:t>Make predictions to estimate redemption rate, revenue and ROI.</a:t>
-            </a:r>
-          </a:p>
-          <a:p>
-            <a:pPr marL="285750" indent="-285750" fontAlgn="base">
-              <a:lnSpc>
-                <a:spcPct val="140000"/>
-              </a:lnSpc>
-              <a:spcAft>
-                <a:spcPts val="600"/>
-              </a:spcAft>
-              <a:buFont typeface="Arial" panose="020B0604020202020204" pitchFamily="34" charset="0"/>
-              <a:buChar char="•"/>
-            </a:pPr>
-            <a:r>
-              <a:rPr lang="en-US" sz="2000" dirty="0">
-                <a:latin typeface="Arial" panose="020B0604020202020204" pitchFamily="34" charset="0"/>
-                <a:cs typeface="Arial" panose="020B0604020202020204" pitchFamily="34" charset="0"/>
-              </a:rPr>
-              <a:t>Review and refine the model with updated data achieved after each campaign finishes.</a:t>
-            </a:r>
-          </a:p>
-          <a:p>
-            <a:pPr marL="285750" indent="-285750" fontAlgn="base">
-              <a:lnSpc>
-                <a:spcPct val="140000"/>
-              </a:lnSpc>
-              <a:spcAft>
-                <a:spcPts val="600"/>
-              </a:spcAft>
-              <a:buFont typeface="Arial" panose="020B0604020202020204" pitchFamily="34" charset="0"/>
-              <a:buChar char="•"/>
-            </a:pPr>
-            <a:endParaRPr lang="en-AU" dirty="0">
-              <a:latin typeface="Arial" panose="020B0604020202020204" pitchFamily="34" charset="0"/>
-            </a:endParaRPr>
-          </a:p>
-        </p:txBody>
-      </p:sp>
-      <p:pic>
-        <p:nvPicPr>
-          <p:cNvPr id="6" name="Graphic 5" descr="Ui Ux with solid fill">
-            <a:extLst>
-              <a:ext uri="{FF2B5EF4-FFF2-40B4-BE49-F238E27FC236}">
-                <a16:creationId xmlns:a16="http://schemas.microsoft.com/office/drawing/2014/main" id="{A30CC393-D1E8-EA4A-8E3F-3D767D0E3FA3}"/>
-              </a:ext>
-            </a:extLst>
-          </p:cNvPr>
-          <p:cNvPicPr>
-            <a:picLocks noChangeAspect="1"/>
-          </p:cNvPicPr>
-          <p:nvPr/>
-        </p:nvPicPr>
-        <p:blipFill>
-          <a:blip r:embed="rId2">
-            <a:duotone>
-              <a:schemeClr val="accent5">
-                <a:shade val="45000"/>
-                <a:satMod val="135000"/>
-              </a:schemeClr>
-              <a:prstClr val="white"/>
-            </a:duotone>
-            <a:extLst>
-              <a:ext uri="{96DAC541-7B7A-43D3-8B79-37D633B846F1}">
-                <asvg:svgBlip xmlns:asvg="http://schemas.microsoft.com/office/drawing/2016/SVG/main" r:embed="rId3"/>
-              </a:ext>
-            </a:extLst>
-          </a:blip>
-          <a:stretch>
-            <a:fillRect/>
-          </a:stretch>
-        </p:blipFill>
-        <p:spPr>
-          <a:xfrm rot="10800000" flipV="1">
-            <a:off x="4750582" y="764397"/>
-            <a:ext cx="914400" cy="914400"/>
-          </a:xfrm>
-          <a:prstGeom prst="rect">
-            <a:avLst/>
-          </a:prstGeom>
-        </p:spPr>
-      </p:pic>
-      <p:sp>
-        <p:nvSpPr>
-          <p:cNvPr id="2" name="Rectangle 1">
-            <a:extLst>
-              <a:ext uri="{FF2B5EF4-FFF2-40B4-BE49-F238E27FC236}">
-                <a16:creationId xmlns:a16="http://schemas.microsoft.com/office/drawing/2014/main" id="{13429F74-771F-E04C-BEB8-500147B64738}"/>
-              </a:ext>
-            </a:extLst>
-          </p:cNvPr>
-          <p:cNvSpPr/>
-          <p:nvPr/>
-        </p:nvSpPr>
-        <p:spPr>
-          <a:xfrm>
-            <a:off x="5784252" y="990763"/>
-            <a:ext cx="3286541" cy="461665"/>
-          </a:xfrm>
-          <a:prstGeom prst="rect">
-            <a:avLst/>
-          </a:prstGeom>
-        </p:spPr>
-        <p:txBody>
-          <a:bodyPr wrap="none">
-            <a:spAutoFit/>
-          </a:bodyPr>
-          <a:lstStyle/>
-          <a:p>
-            <a:r>
-              <a:rPr lang="en-US" sz="2400" dirty="0"/>
-              <a:t>Solution implementation</a:t>
-            </a:r>
-          </a:p>
-        </p:txBody>
-      </p:sp>
-    </p:spTree>
-    <p:extLst>
-      <p:ext uri="{BB962C8B-B14F-4D97-AF65-F5344CB8AC3E}">
-        <p14:creationId xmlns:p14="http://schemas.microsoft.com/office/powerpoint/2010/main" val="2068155632"/>
-      </p:ext>
-    </p:extLst>
-  </p:cSld>
-  <p:clrMapOvr>
-    <a:masterClrMapping/>
-  </p:clrMapOvr>
-</p:sld>
-</file>
-
 <file path=ppt/slides/slide3.xml><?xml version="1.0" encoding="utf-8"?>
 <p:sld xmlns:a="http://schemas.openxmlformats.org/drawingml/2006/main" xmlns:r="http://schemas.openxmlformats.org/officeDocument/2006/relationships" xmlns:p="http://schemas.openxmlformats.org/presentationml/2006/main">
   <p:cSld>
